--- a/JUnit.pptx
+++ b/JUnit.pptx
@@ -3556,8 +3556,12 @@
           <a:lstStyle/>
           <a:p>
             <a:r>
-              <a:rPr lang="de-DE" sz="5400"/>
-              <a:t>JUnit</a:t>
+              <a:rPr lang="de-DE" sz="5400" dirty="0" err="1"/>
+              <a:t>Junit</a:t>
+            </a:r>
+            <a:r>
+              <a:rPr lang="de-DE" sz="5400" dirty="0"/>
+              <a:t> 5</a:t>
             </a:r>
           </a:p>
         </p:txBody>
@@ -3934,27 +3938,27 @@
           <a:lstStyle/>
           <a:p>
             <a:r>
-              <a:rPr lang="de-DE" sz="2200"/>
+              <a:rPr lang="de-DE" sz="2200" dirty="0"/>
               <a:t>Framework zum Testen von Java-Anwendungen</a:t>
             </a:r>
           </a:p>
           <a:p>
             <a:r>
-              <a:rPr lang="de-DE" sz="2200"/>
+              <a:rPr lang="de-DE" sz="2200" dirty="0"/>
               <a:t>Kompatibel mit Java 8 oder höher</a:t>
             </a:r>
           </a:p>
           <a:p>
             <a:r>
-              <a:rPr lang="de-DE" sz="2200"/>
+              <a:rPr lang="de-DE" sz="2200" dirty="0"/>
               <a:t>Unit Tests für einzelne Objekte oder Klassen</a:t>
             </a:r>
           </a:p>
           <a:p>
-            <a:endParaRPr lang="de-DE" sz="2200"/>
-          </a:p>
-          <a:p>
-            <a:endParaRPr lang="de-DE" sz="2200"/>
+            <a:endParaRPr lang="de-DE" sz="2200" dirty="0"/>
+          </a:p>
+          <a:p>
+            <a:endParaRPr lang="de-DE" sz="2200" dirty="0"/>
           </a:p>
         </p:txBody>
       </p:sp>
@@ -5035,7 +5039,7 @@
               <a:buChar char="•"/>
             </a:pPr>
             <a:r>
-              <a:rPr lang="en-US" sz="2200"/>
+              <a:rPr lang="en-US" sz="2200" dirty="0"/>
               <a:t>@Test</a:t>
             </a:r>
           </a:p>
@@ -5045,7 +5049,7 @@
               <a:buChar char="•"/>
             </a:pPr>
             <a:r>
-              <a:rPr lang="en-US" sz="2200"/>
+              <a:rPr lang="en-US" sz="2200" dirty="0"/>
               <a:t>@BeforeEach / @AfterEach</a:t>
             </a:r>
           </a:p>
@@ -5055,7 +5059,7 @@
               <a:buChar char="•"/>
             </a:pPr>
             <a:r>
-              <a:rPr lang="en-US" sz="2200"/>
+              <a:rPr lang="en-US" sz="2200" dirty="0"/>
               <a:t>@BeforeAll / @AfterAll</a:t>
             </a:r>
           </a:p>
@@ -5065,12 +5069,12 @@
               <a:buChar char="•"/>
             </a:pPr>
             <a:r>
-              <a:rPr lang="en-US" sz="2200" b="0" i="0">
+              <a:rPr lang="en-US" sz="2200" b="0" i="0" dirty="0">
                 <a:effectLst/>
               </a:rPr>
               <a:t>@Disabled</a:t>
             </a:r>
-            <a:endParaRPr lang="en-US" sz="2200"/>
+            <a:endParaRPr lang="en-US" sz="2200" dirty="0"/>
           </a:p>
           <a:p>
             <a:pPr indent="-228600">
@@ -5078,12 +5082,12 @@
               <a:buChar char="•"/>
             </a:pPr>
             <a:r>
-              <a:rPr lang="en-US" sz="2200">
+              <a:rPr lang="en-US" sz="2200" dirty="0">
                 <a:hlinkClick r:id="rId2"/>
               </a:rPr>
               <a:t>More …</a:t>
             </a:r>
-            <a:endParaRPr lang="en-US" sz="2200"/>
+            <a:endParaRPr lang="en-US" sz="2200" dirty="0"/>
           </a:p>
         </p:txBody>
       </p:sp>
